--- a/0123AverageOfGrade_Design/AveraeOfgrade_Design.pptx
+++ b/0123AverageOfGrade_Design/AveraeOfgrade_Design.pptx
@@ -3733,7 +3733,7 @@
         <p:spPr>
           <a:xfrm>
             <a:off x="12241460" y="603847"/>
-            <a:ext cx="1354473" cy="1384995"/>
+            <a:ext cx="1428596" cy="1384995"/>
           </a:xfrm>
           <a:prstGeom prst="rect">
             <a:avLst/>
@@ -3748,11 +3748,7 @@
           <a:p>
             <a:r>
               <a:rPr lang="en-US" altLang="ko-KR" sz="1400" smtClean="0"/>
-              <a:t>^</a:t>
-            </a:r>
-            <a:r>
-              <a:rPr lang="en-US" altLang="ko-KR" sz="1400" err="1" smtClean="0"/>
-              <a:t>GradeData</a:t>
+              <a:t>PSGradeData</a:t>
             </a:r>
             <a:r>
               <a:rPr lang="en-US" altLang="ko-KR" sz="1400" smtClean="0"/>
@@ -3763,17 +3759,21 @@
           <a:p>
             <a:r>
               <a:rPr lang="en-US" altLang="ko-KR" sz="1400" smtClean="0"/>
-              <a:t>Name : String</a:t>
-            </a:r>
-          </a:p>
-          <a:p>
-            <a:r>
-              <a:rPr lang="en-US" altLang="ko-KR" sz="1400" err="1" smtClean="0"/>
-              <a:t>Kor</a:t>
+              <a:t>iName </a:t>
             </a:r>
             <a:r>
               <a:rPr lang="en-US" altLang="ko-KR" sz="1400" smtClean="0"/>
-              <a:t> : </a:t>
+              <a:t>: String</a:t>
+            </a:r>
+          </a:p>
+          <a:p>
+            <a:r>
+              <a:rPr lang="en-US" altLang="ko-KR" sz="1400" smtClean="0"/>
+              <a:t>iKor </a:t>
+            </a:r>
+            <a:r>
+              <a:rPr lang="en-US" altLang="ko-KR" sz="1400" smtClean="0"/>
+              <a:t>: </a:t>
             </a:r>
             <a:r>
               <a:rPr lang="en-US" altLang="ko-KR" sz="1400" err="1" smtClean="0"/>
@@ -3784,7 +3784,11 @@
           <a:p>
             <a:r>
               <a:rPr lang="en-US" altLang="ko-KR" sz="1400" smtClean="0"/>
-              <a:t>Eng : </a:t>
+              <a:t>iEng </a:t>
+            </a:r>
+            <a:r>
+              <a:rPr lang="en-US" altLang="ko-KR" sz="1400" smtClean="0"/>
+              <a:t>: </a:t>
             </a:r>
             <a:r>
               <a:rPr lang="en-US" altLang="ko-KR" sz="1400" err="1" smtClean="0"/>
@@ -3795,7 +3799,11 @@
           <a:p>
             <a:r>
               <a:rPr lang="en-US" altLang="ko-KR" sz="1400" smtClean="0"/>
-              <a:t>Math : </a:t>
+              <a:t>iMath </a:t>
+            </a:r>
+            <a:r>
+              <a:rPr lang="en-US" altLang="ko-KR" sz="1400" smtClean="0"/>
+              <a:t>: </a:t>
             </a:r>
             <a:r>
               <a:rPr lang="en-US" altLang="ko-KR" sz="1400" err="1" smtClean="0"/>
@@ -3806,7 +3814,11 @@
           <a:p>
             <a:r>
               <a:rPr lang="en-US" altLang="ko-KR" sz="1400" smtClean="0"/>
-              <a:t>Aver : Double)</a:t>
+              <a:t>iAver </a:t>
+            </a:r>
+            <a:r>
+              <a:rPr lang="en-US" altLang="ko-KR" sz="1400" smtClean="0"/>
+              <a:t>: Double)</a:t>
             </a:r>
           </a:p>
         </p:txBody>
@@ -3867,10 +3879,10 @@
         </p:nvGrpSpPr>
         <p:grpSpPr>
           <a:xfrm>
-            <a:off x="72009" y="116634"/>
-            <a:ext cx="6336804" cy="6408711"/>
-            <a:chOff x="4637387" y="1484784"/>
-            <a:chExt cx="2828925" cy="2803595"/>
+            <a:off x="-1" y="109054"/>
+            <a:ext cx="6408813" cy="6416291"/>
+            <a:chOff x="4605240" y="1481468"/>
+            <a:chExt cx="2861072" cy="2806911"/>
           </a:xfrm>
         </p:grpSpPr>
         <p:sp>
@@ -3926,8 +3938,8 @@
           </p:nvSpPr>
           <p:spPr>
             <a:xfrm rot="10800000" flipV="1">
-              <a:off x="4926752" y="1484784"/>
-              <a:ext cx="2185950" cy="122688"/>
+              <a:off x="4605240" y="1481468"/>
+              <a:ext cx="2861071" cy="129319"/>
             </a:xfrm>
             <a:prstGeom prst="rect">
               <a:avLst/>
@@ -4264,12 +4276,28 @@
           <a:p>
             <a:pPr algn="ctr"/>
             <a:r>
+              <a:rPr lang="en-US" altLang="ko-KR" sz="1000" smtClean="0">
+                <a:solidFill>
+                  <a:schemeClr val="tx1"/>
+                </a:solidFill>
+              </a:rPr>
+              <a:t>aRocord.iName </a:t>
+            </a:r>
+            <a:r>
+              <a:rPr lang="en-US" altLang="ko-KR" sz="1000" smtClean="0">
+                <a:solidFill>
+                  <a:schemeClr val="tx1"/>
+                </a:solidFill>
+              </a:rPr>
+              <a:t>= </a:t>
+            </a:r>
+            <a:r>
               <a:rPr lang="en-US" altLang="ko-KR" sz="1000" err="1" smtClean="0">
                 <a:solidFill>
                   <a:schemeClr val="tx1"/>
                 </a:solidFill>
               </a:rPr>
-              <a:t>aRocord.Name</a:t>
+              <a:t>aName</a:t>
             </a:r>
             <a:r>
               <a:rPr lang="en-US" altLang="ko-KR" sz="1000" smtClean="0">
@@ -4277,7 +4305,26 @@
                   <a:schemeClr val="tx1"/>
                 </a:solidFill>
               </a:rPr>
-              <a:t> = </a:t>
+              <a:t>;</a:t>
+            </a:r>
+          </a:p>
+          <a:p>
+            <a:pPr algn="ctr"/>
+            <a:r>
+              <a:rPr lang="en-US" altLang="ko-KR" sz="1000" smtClean="0">
+                <a:solidFill>
+                  <a:schemeClr val="tx1"/>
+                </a:solidFill>
+              </a:rPr>
+              <a:t>aRocord.iKor </a:t>
+            </a:r>
+            <a:r>
+              <a:rPr lang="en-US" altLang="ko-KR" sz="1000" smtClean="0">
+                <a:solidFill>
+                  <a:schemeClr val="tx1"/>
+                </a:solidFill>
+              </a:rPr>
+              <a:t>= </a:t>
             </a:r>
             <a:r>
               <a:rPr lang="en-US" altLang="ko-KR" sz="1000" err="1" smtClean="0">
@@ -4285,7 +4332,7 @@
                   <a:schemeClr val="tx1"/>
                 </a:solidFill>
               </a:rPr>
-              <a:t>aName</a:t>
+              <a:t>aKor</a:t>
             </a:r>
             <a:r>
               <a:rPr lang="en-US" altLang="ko-KR" sz="1000" smtClean="0">
@@ -4299,12 +4346,28 @@
           <a:p>
             <a:pPr algn="ctr"/>
             <a:r>
+              <a:rPr lang="en-US" altLang="ko-KR" sz="1000" smtClean="0">
+                <a:solidFill>
+                  <a:schemeClr val="tx1"/>
+                </a:solidFill>
+              </a:rPr>
+              <a:t>aRocord.iName </a:t>
+            </a:r>
+            <a:r>
+              <a:rPr lang="en-US" altLang="ko-KR" sz="1000" smtClean="0">
+                <a:solidFill>
+                  <a:schemeClr val="tx1"/>
+                </a:solidFill>
+              </a:rPr>
+              <a:t>= </a:t>
+            </a:r>
+            <a:r>
               <a:rPr lang="en-US" altLang="ko-KR" sz="1000" err="1" smtClean="0">
                 <a:solidFill>
                   <a:schemeClr val="tx1"/>
                 </a:solidFill>
               </a:rPr>
-              <a:t>aRocord.Kor</a:t>
+              <a:t>aEng</a:t>
             </a:r>
             <a:r>
               <a:rPr lang="en-US" altLang="ko-KR" sz="1000" smtClean="0">
@@ -4312,7 +4375,26 @@
                   <a:schemeClr val="tx1"/>
                 </a:solidFill>
               </a:rPr>
-              <a:t> = </a:t>
+              <a:t>;</a:t>
+            </a:r>
+          </a:p>
+          <a:p>
+            <a:pPr algn="ctr"/>
+            <a:r>
+              <a:rPr lang="en-US" altLang="ko-KR" sz="1000" smtClean="0">
+                <a:solidFill>
+                  <a:schemeClr val="tx1"/>
+                </a:solidFill>
+              </a:rPr>
+              <a:t>aRocord.iName </a:t>
+            </a:r>
+            <a:r>
+              <a:rPr lang="en-US" altLang="ko-KR" sz="1000" smtClean="0">
+                <a:solidFill>
+                  <a:schemeClr val="tx1"/>
+                </a:solidFill>
+              </a:rPr>
+              <a:t>= </a:t>
             </a:r>
             <a:r>
               <a:rPr lang="en-US" altLang="ko-KR" sz="1000" err="1" smtClean="0">
@@ -4320,7 +4402,7 @@
                   <a:schemeClr val="tx1"/>
                 </a:solidFill>
               </a:rPr>
-              <a:t>aKor</a:t>
+              <a:t>aMath</a:t>
             </a:r>
             <a:r>
               <a:rPr lang="en-US" altLang="ko-KR" sz="1000" smtClean="0">
@@ -4334,28 +4416,12 @@
           <a:p>
             <a:pPr algn="ctr"/>
             <a:r>
-              <a:rPr lang="en-US" altLang="ko-KR" sz="1000" err="1" smtClean="0">
-                <a:solidFill>
-                  <a:schemeClr val="tx1"/>
-                </a:solidFill>
-              </a:rPr>
-              <a:t>aRocord.Name</a:t>
-            </a:r>
-            <a:r>
               <a:rPr lang="en-US" altLang="ko-KR" sz="1000" smtClean="0">
                 <a:solidFill>
                   <a:schemeClr val="tx1"/>
                 </a:solidFill>
               </a:rPr>
-              <a:t> = </a:t>
-            </a:r>
-            <a:r>
-              <a:rPr lang="en-US" altLang="ko-KR" sz="1000" err="1" smtClean="0">
-                <a:solidFill>
-                  <a:schemeClr val="tx1"/>
-                </a:solidFill>
-              </a:rPr>
-              <a:t>aEng</a:t>
+              <a:t>aRocord.iName </a:t>
             </a:r>
             <a:r>
               <a:rPr lang="en-US" altLang="ko-KR" sz="1000" smtClean="0">
@@ -4363,61 +4429,7 @@
                   <a:schemeClr val="tx1"/>
                 </a:solidFill>
               </a:rPr>
-              <a:t>;</a:t>
-            </a:r>
-          </a:p>
-          <a:p>
-            <a:pPr algn="ctr"/>
-            <a:r>
-              <a:rPr lang="en-US" altLang="ko-KR" sz="1000" err="1" smtClean="0">
-                <a:solidFill>
-                  <a:schemeClr val="tx1"/>
-                </a:solidFill>
-              </a:rPr>
-              <a:t>aRocord.Name</a:t>
-            </a:r>
-            <a:r>
-              <a:rPr lang="en-US" altLang="ko-KR" sz="1000" smtClean="0">
-                <a:solidFill>
-                  <a:schemeClr val="tx1"/>
-                </a:solidFill>
-              </a:rPr>
-              <a:t> = </a:t>
-            </a:r>
-            <a:r>
-              <a:rPr lang="en-US" altLang="ko-KR" sz="1000" err="1" smtClean="0">
-                <a:solidFill>
-                  <a:schemeClr val="tx1"/>
-                </a:solidFill>
-              </a:rPr>
-              <a:t>aMath</a:t>
-            </a:r>
-            <a:r>
-              <a:rPr lang="en-US" altLang="ko-KR" sz="1000" smtClean="0">
-                <a:solidFill>
-                  <a:schemeClr val="tx1"/>
-                </a:solidFill>
-              </a:rPr>
-              <a:t>;</a:t>
-            </a:r>
-          </a:p>
-          <a:p>
-            <a:pPr algn="ctr"/>
-            <a:r>
-              <a:rPr lang="en-US" altLang="ko-KR" sz="1000" err="1" smtClean="0">
-                <a:solidFill>
-                  <a:schemeClr val="tx1"/>
-                </a:solidFill>
-              </a:rPr>
-              <a:t>aRocord.Name</a:t>
-            </a:r>
-            <a:r>
-              <a:rPr lang="en-US" altLang="ko-KR" sz="1000" smtClean="0">
-                <a:solidFill>
-                  <a:schemeClr val="tx1"/>
-                </a:solidFill>
-              </a:rPr>
-              <a:t> = (</a:t>
+              <a:t>= (</a:t>
             </a:r>
             <a:r>
               <a:rPr lang="en-US" altLang="ko-KR" sz="1000" err="1" smtClean="0">
@@ -4794,8 +4806,13 @@
                   <a:schemeClr val="tx1"/>
                 </a:solidFill>
               </a:rPr>
-              <a:t>].Name</a:t>
-            </a:r>
+              <a:t>].iName</a:t>
+            </a:r>
+            <a:endParaRPr lang="en-US" altLang="ko-KR" sz="1000" smtClean="0">
+              <a:solidFill>
+                <a:schemeClr val="tx1"/>
+              </a:solidFill>
+            </a:endParaRPr>
           </a:p>
           <a:p>
             <a:pPr algn="ctr"/>
@@ -5719,8 +5736,13 @@
                   <a:schemeClr val="tx1"/>
                 </a:solidFill>
               </a:rPr>
-              <a:t>].Name</a:t>
-            </a:r>
+              <a:t>].iName</a:t>
+            </a:r>
+            <a:endParaRPr lang="en-US" altLang="ko-KR" sz="1000" smtClean="0">
+              <a:solidFill>
+                <a:schemeClr val="tx1"/>
+              </a:solidFill>
+            </a:endParaRPr>
           </a:p>
           <a:p>
             <a:pPr algn="ctr"/>
@@ -7689,7 +7711,7 @@
           </a:xfrm>
           <a:prstGeom prst="bentConnector3">
             <a:avLst>
-              <a:gd name="adj1" fmla="val 36568"/>
+              <a:gd name="adj1" fmla="val 3074"/>
             </a:avLst>
           </a:prstGeom>
           <a:ln>
@@ -8343,15 +8365,7 @@
                   <a:schemeClr val="tx1"/>
                 </a:solidFill>
               </a:rPr>
-              <a:t>].</a:t>
-            </a:r>
-            <a:r>
-              <a:rPr lang="en-US" altLang="ko-KR" sz="1000" err="1" smtClean="0">
-                <a:solidFill>
-                  <a:schemeClr val="tx1"/>
-                </a:solidFill>
-              </a:rPr>
-              <a:t>Kor</a:t>
+              <a:t>].iKor</a:t>
             </a:r>
             <a:endParaRPr lang="en-US" altLang="ko-KR" sz="1000" smtClean="0">
               <a:solidFill>
@@ -8423,7 +8437,7 @@
                   <a:schemeClr val="tx1"/>
                 </a:solidFill>
               </a:rPr>
-              <a:t>].Eng</a:t>
+              <a:t>].iEng</a:t>
             </a:r>
             <a:endParaRPr lang="ko-KR" altLang="en-US" sz="1000" smtClean="0">
               <a:solidFill>
@@ -8495,7 +8509,7 @@
                   <a:schemeClr val="tx1"/>
                 </a:solidFill>
               </a:rPr>
-              <a:t>].Math</a:t>
+              <a:t>].iMath</a:t>
             </a:r>
             <a:endParaRPr lang="ko-KR" altLang="en-US" sz="1000" smtClean="0">
               <a:solidFill>
@@ -9525,8 +9539,13 @@
                   <a:schemeClr val="tx1"/>
                 </a:solidFill>
               </a:rPr>
-              <a:t>].Name</a:t>
-            </a:r>
+              <a:t>].iName</a:t>
+            </a:r>
+            <a:endParaRPr lang="en-US" altLang="ko-KR" sz="1000" smtClean="0">
+              <a:solidFill>
+                <a:schemeClr val="tx1"/>
+              </a:solidFill>
+            </a:endParaRPr>
           </a:p>
           <a:p>
             <a:pPr algn="ctr"/>
@@ -9544,7 +9563,15 @@
                   <a:schemeClr val="tx1"/>
                 </a:solidFill>
               </a:rPr>
-              <a:t>[1, </a:t>
+              <a:t>[1, i+1]= </a:t>
+            </a:r>
+            <a:r>
+              <a:rPr lang="en-US" altLang="ko-KR" sz="1000" err="1" smtClean="0">
+                <a:solidFill>
+                  <a:schemeClr val="tx1"/>
+                </a:solidFill>
+              </a:rPr>
+              <a:t>Student.Array</a:t>
             </a:r>
             <a:r>
               <a:rPr lang="en-US" altLang="ko-KR" sz="1000" smtClean="0">
@@ -9552,7 +9579,7 @@
                   <a:schemeClr val="tx1"/>
                 </a:solidFill>
               </a:rPr>
-              <a:t>i+1]= </a:t>
+              <a:t>[</a:t>
             </a:r>
             <a:r>
               <a:rPr lang="en-US" altLang="ko-KR" sz="1000" err="1" smtClean="0">
@@ -9560,7 +9587,7 @@
                   <a:schemeClr val="tx1"/>
                 </a:solidFill>
               </a:rPr>
-              <a:t>Student.Array</a:t>
+              <a:t>i</a:t>
             </a:r>
             <a:r>
               <a:rPr lang="en-US" altLang="ko-KR" sz="1000" smtClean="0">
@@ -9568,31 +9595,7 @@
                   <a:schemeClr val="tx1"/>
                 </a:solidFill>
               </a:rPr>
-              <a:t>[</a:t>
-            </a:r>
-            <a:r>
-              <a:rPr lang="en-US" altLang="ko-KR" sz="1000" err="1" smtClean="0">
-                <a:solidFill>
-                  <a:schemeClr val="tx1"/>
-                </a:solidFill>
-              </a:rPr>
-              <a:t>i</a:t>
-            </a:r>
-            <a:r>
-              <a:rPr lang="en-US" altLang="ko-KR" sz="1000" smtClean="0">
-                <a:solidFill>
-                  <a:schemeClr val="tx1"/>
-                </a:solidFill>
-              </a:rPr>
-              <a:t>].</a:t>
-            </a:r>
-            <a:r>
-              <a:rPr lang="en-US" altLang="ko-KR" sz="1000" err="1" smtClean="0">
-                <a:solidFill>
-                  <a:schemeClr val="tx1"/>
-                </a:solidFill>
-              </a:rPr>
-              <a:t>Kor</a:t>
+              <a:t>].iKor</a:t>
             </a:r>
             <a:endParaRPr lang="ko-KR" altLang="en-US" sz="1000" smtClean="0">
               <a:solidFill>
@@ -9616,7 +9619,15 @@
                   <a:schemeClr val="tx1"/>
                 </a:solidFill>
               </a:rPr>
-              <a:t>[2, </a:t>
+              <a:t>[2, i+1]= </a:t>
+            </a:r>
+            <a:r>
+              <a:rPr lang="en-US" altLang="ko-KR" sz="1000" err="1" smtClean="0">
+                <a:solidFill>
+                  <a:schemeClr val="tx1"/>
+                </a:solidFill>
+              </a:rPr>
+              <a:t>Student.Array</a:t>
             </a:r>
             <a:r>
               <a:rPr lang="en-US" altLang="ko-KR" sz="1000" smtClean="0">
@@ -9624,7 +9635,7 @@
                   <a:schemeClr val="tx1"/>
                 </a:solidFill>
               </a:rPr>
-              <a:t>i+1]= </a:t>
+              <a:t>[</a:t>
             </a:r>
             <a:r>
               <a:rPr lang="en-US" altLang="ko-KR" sz="1000" err="1" smtClean="0">
@@ -9632,7 +9643,7 @@
                   <a:schemeClr val="tx1"/>
                 </a:solidFill>
               </a:rPr>
-              <a:t>Student.Array</a:t>
+              <a:t>i</a:t>
             </a:r>
             <a:r>
               <a:rPr lang="en-US" altLang="ko-KR" sz="1000" smtClean="0">
@@ -9640,23 +9651,7 @@
                   <a:schemeClr val="tx1"/>
                 </a:solidFill>
               </a:rPr>
-              <a:t>[</a:t>
-            </a:r>
-            <a:r>
-              <a:rPr lang="en-US" altLang="ko-KR" sz="1000" err="1" smtClean="0">
-                <a:solidFill>
-                  <a:schemeClr val="tx1"/>
-                </a:solidFill>
-              </a:rPr>
-              <a:t>i</a:t>
-            </a:r>
-            <a:r>
-              <a:rPr lang="en-US" altLang="ko-KR" sz="1000" smtClean="0">
-                <a:solidFill>
-                  <a:schemeClr val="tx1"/>
-                </a:solidFill>
-              </a:rPr>
-              <a:t>].Eng</a:t>
+              <a:t>].iEng</a:t>
             </a:r>
             <a:endParaRPr lang="ko-KR" altLang="en-US" sz="1000" smtClean="0">
               <a:solidFill>
@@ -9680,7 +9675,15 @@
                   <a:schemeClr val="tx1"/>
                 </a:solidFill>
               </a:rPr>
-              <a:t>[3, </a:t>
+              <a:t>[3, i+1]= </a:t>
+            </a:r>
+            <a:r>
+              <a:rPr lang="en-US" altLang="ko-KR" sz="1000" err="1" smtClean="0">
+                <a:solidFill>
+                  <a:schemeClr val="tx1"/>
+                </a:solidFill>
+              </a:rPr>
+              <a:t>Student.Array</a:t>
             </a:r>
             <a:r>
               <a:rPr lang="en-US" altLang="ko-KR" sz="1000" smtClean="0">
@@ -9688,7 +9691,7 @@
                   <a:schemeClr val="tx1"/>
                 </a:solidFill>
               </a:rPr>
-              <a:t>i+1]= </a:t>
+              <a:t>[</a:t>
             </a:r>
             <a:r>
               <a:rPr lang="en-US" altLang="ko-KR" sz="1000" err="1" smtClean="0">
@@ -9696,7 +9699,7 @@
                   <a:schemeClr val="tx1"/>
                 </a:solidFill>
               </a:rPr>
-              <a:t>Student.Array</a:t>
+              <a:t>i</a:t>
             </a:r>
             <a:r>
               <a:rPr lang="en-US" altLang="ko-KR" sz="1000" smtClean="0">
@@ -9704,23 +9707,7 @@
                   <a:schemeClr val="tx1"/>
                 </a:solidFill>
               </a:rPr>
-              <a:t>[</a:t>
-            </a:r>
-            <a:r>
-              <a:rPr lang="en-US" altLang="ko-KR" sz="1000" err="1" smtClean="0">
-                <a:solidFill>
-                  <a:schemeClr val="tx1"/>
-                </a:solidFill>
-              </a:rPr>
-              <a:t>i</a:t>
-            </a:r>
-            <a:r>
-              <a:rPr lang="en-US" altLang="ko-KR" sz="1000" smtClean="0">
-                <a:solidFill>
-                  <a:schemeClr val="tx1"/>
-                </a:solidFill>
-              </a:rPr>
-              <a:t>].Math</a:t>
+              <a:t>].iMath</a:t>
             </a:r>
             <a:endParaRPr lang="ko-KR" altLang="en-US" sz="1000" smtClean="0">
               <a:solidFill>
@@ -9744,7 +9731,15 @@
                   <a:schemeClr val="tx1"/>
                 </a:solidFill>
               </a:rPr>
-              <a:t>[4, </a:t>
+              <a:t>[4, i+1]= </a:t>
+            </a:r>
+            <a:r>
+              <a:rPr lang="en-US" altLang="ko-KR" sz="1000" err="1" smtClean="0">
+                <a:solidFill>
+                  <a:schemeClr val="tx1"/>
+                </a:solidFill>
+              </a:rPr>
+              <a:t>Student.Array</a:t>
             </a:r>
             <a:r>
               <a:rPr lang="en-US" altLang="ko-KR" sz="1000" smtClean="0">
@@ -9752,7 +9747,7 @@
                   <a:schemeClr val="tx1"/>
                 </a:solidFill>
               </a:rPr>
-              <a:t>i+1]= </a:t>
+              <a:t>[</a:t>
             </a:r>
             <a:r>
               <a:rPr lang="en-US" altLang="ko-KR" sz="1000" err="1" smtClean="0">
@@ -9760,7 +9755,7 @@
                   <a:schemeClr val="tx1"/>
                 </a:solidFill>
               </a:rPr>
-              <a:t>Student.Array</a:t>
+              <a:t>i</a:t>
             </a:r>
             <a:r>
               <a:rPr lang="en-US" altLang="ko-KR" sz="1000" smtClean="0">
@@ -9768,24 +9763,13 @@
                   <a:schemeClr val="tx1"/>
                 </a:solidFill>
               </a:rPr>
-              <a:t>[</a:t>
-            </a:r>
-            <a:r>
-              <a:rPr lang="en-US" altLang="ko-KR" sz="1000" err="1" smtClean="0">
-                <a:solidFill>
-                  <a:schemeClr val="tx1"/>
-                </a:solidFill>
-              </a:rPr>
-              <a:t>i</a:t>
-            </a:r>
-            <a:r>
-              <a:rPr lang="en-US" altLang="ko-KR" sz="1000" smtClean="0">
-                <a:solidFill>
-                  <a:schemeClr val="tx1"/>
-                </a:solidFill>
-              </a:rPr>
-              <a:t>].Aver</a:t>
-            </a:r>
+              <a:t>].iAver</a:t>
+            </a:r>
+            <a:endParaRPr lang="en-US" altLang="ko-KR" sz="1000" smtClean="0">
+              <a:solidFill>
+                <a:schemeClr val="tx1"/>
+              </a:solidFill>
+            </a:endParaRPr>
           </a:p>
         </p:txBody>
       </p:sp>
@@ -9797,7 +9781,7 @@
         </p:nvSpPr>
         <p:spPr>
           <a:xfrm rot="10800000" flipV="1">
-            <a:off x="7379121" y="1772816"/>
+            <a:off x="7379121" y="1844824"/>
             <a:ext cx="3422180" cy="216024"/>
           </a:xfrm>
           <a:prstGeom prst="rect">
@@ -10363,14 +10347,13 @@
           <p:cNvPr id="40" name="직선 화살표 연결선 39"/>
           <p:cNvCxnSpPr>
             <a:stCxn id="104" idx="2"/>
-            <a:endCxn id="110" idx="0"/>
           </p:cNvCxnSpPr>
           <p:nvPr/>
         </p:nvCxnSpPr>
         <p:spPr>
           <a:xfrm>
-            <a:off x="9061408" y="1340768"/>
-            <a:ext cx="28803" cy="432048"/>
+            <a:off x="9061407" y="1340768"/>
+            <a:ext cx="11701" cy="144016"/>
           </a:xfrm>
           <a:prstGeom prst="straightConnector1">
             <a:avLst/>
@@ -10405,8 +10388,8 @@
         </p:nvCxnSpPr>
         <p:spPr>
           <a:xfrm>
-            <a:off x="9090210" y="1988842"/>
-            <a:ext cx="18902" cy="288033"/>
+            <a:off x="9090211" y="2060848"/>
+            <a:ext cx="18902" cy="216027"/>
           </a:xfrm>
           <a:prstGeom prst="straightConnector1">
             <a:avLst/>
@@ -12260,6 +12243,13 @@
   <p:clrMapOvr>
     <a:masterClrMapping/>
   </p:clrMapOvr>
+  <p:timing>
+    <p:tnLst>
+      <p:par>
+        <p:cTn id="1" dur="indefinite" restart="never" nodeType="tmRoot"/>
+      </p:par>
+    </p:tnLst>
+  </p:timing>
 </p:sld>
 </file>
 
